--- a/Presentatie/PresentatieKinepolis.pptx
+++ b/Presentatie/PresentatieKinepolis.pptx
@@ -3699,6 +3699,13 @@
   <p:clrMapOvr>
     <a:masterClrMapping/>
   </p:clrMapOvr>
+  <p:timing>
+    <p:tnLst>
+      <p:par>
+        <p:cTn id="1" dur="indefinite" restart="never" nodeType="tmRoot"/>
+      </p:par>
+    </p:tnLst>
+  </p:timing>
 </p:sld>
 </file>
 
@@ -3834,7 +3841,132 @@
   <p:timing>
     <p:tnLst>
       <p:par>
-        <p:cTn id="1" dur="indefinite" restart="never" nodeType="tmRoot"/>
+        <p:cTn id="1" dur="indefinite" restart="never" nodeType="tmRoot">
+          <p:childTnLst>
+            <p:seq concurrent="1" nextAc="seek">
+              <p:cTn id="2" dur="indefinite" nodeType="mainSeq">
+                <p:childTnLst>
+                  <p:par>
+                    <p:cTn id="3" fill="hold">
+                      <p:stCondLst>
+                        <p:cond delay="indefinite"/>
+                        <p:cond evt="onBegin" delay="0">
+                          <p:tn val="2"/>
+                        </p:cond>
+                      </p:stCondLst>
+                      <p:childTnLst>
+                        <p:par>
+                          <p:cTn id="4" fill="hold">
+                            <p:stCondLst>
+                              <p:cond delay="0"/>
+                            </p:stCondLst>
+                            <p:childTnLst>
+                              <p:par>
+                                <p:cTn id="5" presetID="42" presetClass="entr" presetSubtype="0" fill="hold" nodeType="withEffect">
+                                  <p:stCondLst>
+                                    <p:cond delay="1000"/>
+                                  </p:stCondLst>
+                                  <p:childTnLst>
+                                    <p:set>
+                                      <p:cBhvr>
+                                        <p:cTn id="6" dur="1" fill="hold">
+                                          <p:stCondLst>
+                                            <p:cond delay="0"/>
+                                          </p:stCondLst>
+                                        </p:cTn>
+                                        <p:tgtEl>
+                                          <p:spTgt spid="7170"/>
+                                        </p:tgtEl>
+                                        <p:attrNameLst>
+                                          <p:attrName>style.visibility</p:attrName>
+                                        </p:attrNameLst>
+                                      </p:cBhvr>
+                                      <p:to>
+                                        <p:strVal val="visible"/>
+                                      </p:to>
+                                    </p:set>
+                                    <p:animEffect transition="in" filter="fade">
+                                      <p:cBhvr>
+                                        <p:cTn id="7" dur="1000"/>
+                                        <p:tgtEl>
+                                          <p:spTgt spid="7170"/>
+                                        </p:tgtEl>
+                                      </p:cBhvr>
+                                    </p:animEffect>
+                                    <p:anim calcmode="lin" valueType="num">
+                                      <p:cBhvr>
+                                        <p:cTn id="8" dur="1000" fill="hold"/>
+                                        <p:tgtEl>
+                                          <p:spTgt spid="7170"/>
+                                        </p:tgtEl>
+                                        <p:attrNameLst>
+                                          <p:attrName>ppt_x</p:attrName>
+                                        </p:attrNameLst>
+                                      </p:cBhvr>
+                                      <p:tavLst>
+                                        <p:tav tm="0">
+                                          <p:val>
+                                            <p:strVal val="#ppt_x"/>
+                                          </p:val>
+                                        </p:tav>
+                                        <p:tav tm="100000">
+                                          <p:val>
+                                            <p:strVal val="#ppt_x"/>
+                                          </p:val>
+                                        </p:tav>
+                                      </p:tavLst>
+                                    </p:anim>
+                                    <p:anim calcmode="lin" valueType="num">
+                                      <p:cBhvr>
+                                        <p:cTn id="9" dur="1000" fill="hold"/>
+                                        <p:tgtEl>
+                                          <p:spTgt spid="7170"/>
+                                        </p:tgtEl>
+                                        <p:attrNameLst>
+                                          <p:attrName>ppt_y</p:attrName>
+                                        </p:attrNameLst>
+                                      </p:cBhvr>
+                                      <p:tavLst>
+                                        <p:tav tm="0">
+                                          <p:val>
+                                            <p:strVal val="#ppt_y+.1"/>
+                                          </p:val>
+                                        </p:tav>
+                                        <p:tav tm="100000">
+                                          <p:val>
+                                            <p:strVal val="#ppt_y"/>
+                                          </p:val>
+                                        </p:tav>
+                                      </p:tavLst>
+                                    </p:anim>
+                                  </p:childTnLst>
+                                </p:cTn>
+                              </p:par>
+                            </p:childTnLst>
+                          </p:cTn>
+                        </p:par>
+                      </p:childTnLst>
+                    </p:cTn>
+                  </p:par>
+                </p:childTnLst>
+              </p:cTn>
+              <p:prevCondLst>
+                <p:cond evt="onPrev" delay="0">
+                  <p:tgtEl>
+                    <p:sldTgt/>
+                  </p:tgtEl>
+                </p:cond>
+              </p:prevCondLst>
+              <p:nextCondLst>
+                <p:cond evt="onNext" delay="0">
+                  <p:tgtEl>
+                    <p:sldTgt/>
+                  </p:tgtEl>
+                </p:cond>
+              </p:nextCondLst>
+            </p:seq>
+          </p:childTnLst>
+        </p:cTn>
       </p:par>
     </p:tnLst>
   </p:timing>
@@ -3973,7 +4105,132 @@
   <p:timing>
     <p:tnLst>
       <p:par>
-        <p:cTn id="1" dur="indefinite" restart="never" nodeType="tmRoot"/>
+        <p:cTn id="1" dur="indefinite" restart="never" nodeType="tmRoot">
+          <p:childTnLst>
+            <p:seq concurrent="1" nextAc="seek">
+              <p:cTn id="2" dur="indefinite" nodeType="mainSeq">
+                <p:childTnLst>
+                  <p:par>
+                    <p:cTn id="3" fill="hold">
+                      <p:stCondLst>
+                        <p:cond delay="indefinite"/>
+                        <p:cond evt="onBegin" delay="0">
+                          <p:tn val="2"/>
+                        </p:cond>
+                      </p:stCondLst>
+                      <p:childTnLst>
+                        <p:par>
+                          <p:cTn id="4" fill="hold">
+                            <p:stCondLst>
+                              <p:cond delay="0"/>
+                            </p:stCondLst>
+                            <p:childTnLst>
+                              <p:par>
+                                <p:cTn id="5" presetID="42" presetClass="entr" presetSubtype="0" fill="hold" nodeType="withEffect">
+                                  <p:stCondLst>
+                                    <p:cond delay="1000"/>
+                                  </p:stCondLst>
+                                  <p:childTnLst>
+                                    <p:set>
+                                      <p:cBhvr>
+                                        <p:cTn id="6" dur="1" fill="hold">
+                                          <p:stCondLst>
+                                            <p:cond delay="0"/>
+                                          </p:stCondLst>
+                                        </p:cTn>
+                                        <p:tgtEl>
+                                          <p:spTgt spid="8194"/>
+                                        </p:tgtEl>
+                                        <p:attrNameLst>
+                                          <p:attrName>style.visibility</p:attrName>
+                                        </p:attrNameLst>
+                                      </p:cBhvr>
+                                      <p:to>
+                                        <p:strVal val="visible"/>
+                                      </p:to>
+                                    </p:set>
+                                    <p:animEffect transition="in" filter="fade">
+                                      <p:cBhvr>
+                                        <p:cTn id="7" dur="1000"/>
+                                        <p:tgtEl>
+                                          <p:spTgt spid="8194"/>
+                                        </p:tgtEl>
+                                      </p:cBhvr>
+                                    </p:animEffect>
+                                    <p:anim calcmode="lin" valueType="num">
+                                      <p:cBhvr>
+                                        <p:cTn id="8" dur="1000" fill="hold"/>
+                                        <p:tgtEl>
+                                          <p:spTgt spid="8194"/>
+                                        </p:tgtEl>
+                                        <p:attrNameLst>
+                                          <p:attrName>ppt_x</p:attrName>
+                                        </p:attrNameLst>
+                                      </p:cBhvr>
+                                      <p:tavLst>
+                                        <p:tav tm="0">
+                                          <p:val>
+                                            <p:strVal val="#ppt_x"/>
+                                          </p:val>
+                                        </p:tav>
+                                        <p:tav tm="100000">
+                                          <p:val>
+                                            <p:strVal val="#ppt_x"/>
+                                          </p:val>
+                                        </p:tav>
+                                      </p:tavLst>
+                                    </p:anim>
+                                    <p:anim calcmode="lin" valueType="num">
+                                      <p:cBhvr>
+                                        <p:cTn id="9" dur="1000" fill="hold"/>
+                                        <p:tgtEl>
+                                          <p:spTgt spid="8194"/>
+                                        </p:tgtEl>
+                                        <p:attrNameLst>
+                                          <p:attrName>ppt_y</p:attrName>
+                                        </p:attrNameLst>
+                                      </p:cBhvr>
+                                      <p:tavLst>
+                                        <p:tav tm="0">
+                                          <p:val>
+                                            <p:strVal val="#ppt_y+.1"/>
+                                          </p:val>
+                                        </p:tav>
+                                        <p:tav tm="100000">
+                                          <p:val>
+                                            <p:strVal val="#ppt_y"/>
+                                          </p:val>
+                                        </p:tav>
+                                      </p:tavLst>
+                                    </p:anim>
+                                  </p:childTnLst>
+                                </p:cTn>
+                              </p:par>
+                            </p:childTnLst>
+                          </p:cTn>
+                        </p:par>
+                      </p:childTnLst>
+                    </p:cTn>
+                  </p:par>
+                </p:childTnLst>
+              </p:cTn>
+              <p:prevCondLst>
+                <p:cond evt="onPrev" delay="0">
+                  <p:tgtEl>
+                    <p:sldTgt/>
+                  </p:tgtEl>
+                </p:cond>
+              </p:prevCondLst>
+              <p:nextCondLst>
+                <p:cond evt="onNext" delay="0">
+                  <p:tgtEl>
+                    <p:sldTgt/>
+                  </p:tgtEl>
+                </p:cond>
+              </p:nextCondLst>
+            </p:seq>
+          </p:childTnLst>
+        </p:cTn>
       </p:par>
     </p:tnLst>
   </p:timing>
@@ -4148,7 +4405,7 @@
           <a:p>
             <a:pPr algn="ctr"/>
             <a:r>
-              <a:rPr lang="nl-BE" smtClean="0"/>
+              <a:rPr lang="nl-BE" dirty="0" smtClean="0"/>
               <a:t>EINDE</a:t>
             </a:r>
             <a:endParaRPr lang="nl-BE" dirty="0"/>
@@ -4251,9 +4508,234 @@
   <p:timing>
     <p:tnLst>
       <p:par>
-        <p:cTn id="1" dur="indefinite" restart="never" nodeType="tmRoot"/>
+        <p:cTn id="1" dur="indefinite" restart="never" nodeType="tmRoot">
+          <p:childTnLst>
+            <p:seq concurrent="1" nextAc="seek">
+              <p:cTn id="2" dur="indefinite" nodeType="mainSeq">
+                <p:childTnLst>
+                  <p:par>
+                    <p:cTn id="3" fill="hold">
+                      <p:stCondLst>
+                        <p:cond delay="indefinite"/>
+                        <p:cond evt="onBegin" delay="0">
+                          <p:tn val="2"/>
+                        </p:cond>
+                      </p:stCondLst>
+                      <p:childTnLst>
+                        <p:par>
+                          <p:cTn id="4" fill="hold">
+                            <p:stCondLst>
+                              <p:cond delay="0"/>
+                            </p:stCondLst>
+                            <p:childTnLst>
+                              <p:par>
+                                <p:cTn id="5" presetID="42" presetClass="entr" presetSubtype="0" fill="hold" grpId="0" nodeType="withEffect">
+                                  <p:stCondLst>
+                                    <p:cond delay="1000"/>
+                                  </p:stCondLst>
+                                  <p:childTnLst>
+                                    <p:set>
+                                      <p:cBhvr>
+                                        <p:cTn id="6" dur="1" fill="hold">
+                                          <p:stCondLst>
+                                            <p:cond delay="0"/>
+                                          </p:stCondLst>
+                                        </p:cTn>
+                                        <p:tgtEl>
+                                          <p:spTgt spid="5"/>
+                                        </p:tgtEl>
+                                        <p:attrNameLst>
+                                          <p:attrName>style.visibility</p:attrName>
+                                        </p:attrNameLst>
+                                      </p:cBhvr>
+                                      <p:to>
+                                        <p:strVal val="visible"/>
+                                      </p:to>
+                                    </p:set>
+                                    <p:animEffect transition="in" filter="fade">
+                                      <p:cBhvr>
+                                        <p:cTn id="7" dur="1000"/>
+                                        <p:tgtEl>
+                                          <p:spTgt spid="5"/>
+                                        </p:tgtEl>
+                                      </p:cBhvr>
+                                    </p:animEffect>
+                                    <p:anim calcmode="lin" valueType="num">
+                                      <p:cBhvr>
+                                        <p:cTn id="8" dur="1000" fill="hold"/>
+                                        <p:tgtEl>
+                                          <p:spTgt spid="5"/>
+                                        </p:tgtEl>
+                                        <p:attrNameLst>
+                                          <p:attrName>ppt_x</p:attrName>
+                                        </p:attrNameLst>
+                                      </p:cBhvr>
+                                      <p:tavLst>
+                                        <p:tav tm="0">
+                                          <p:val>
+                                            <p:strVal val="#ppt_x"/>
+                                          </p:val>
+                                        </p:tav>
+                                        <p:tav tm="100000">
+                                          <p:val>
+                                            <p:strVal val="#ppt_x"/>
+                                          </p:val>
+                                        </p:tav>
+                                      </p:tavLst>
+                                    </p:anim>
+                                    <p:anim calcmode="lin" valueType="num">
+                                      <p:cBhvr>
+                                        <p:cTn id="9" dur="1000" fill="hold"/>
+                                        <p:tgtEl>
+                                          <p:spTgt spid="5"/>
+                                        </p:tgtEl>
+                                        <p:attrNameLst>
+                                          <p:attrName>ppt_y</p:attrName>
+                                        </p:attrNameLst>
+                                      </p:cBhvr>
+                                      <p:tavLst>
+                                        <p:tav tm="0">
+                                          <p:val>
+                                            <p:strVal val="#ppt_y+.1"/>
+                                          </p:val>
+                                        </p:tav>
+                                        <p:tav tm="100000">
+                                          <p:val>
+                                            <p:strVal val="#ppt_y"/>
+                                          </p:val>
+                                        </p:tav>
+                                      </p:tavLst>
+                                    </p:anim>
+                                  </p:childTnLst>
+                                </p:cTn>
+                              </p:par>
+                              <p:par>
+                                <p:cTn id="10" presetID="42" presetClass="entr" presetSubtype="0" fill="hold" nodeType="withEffect">
+                                  <p:stCondLst>
+                                    <p:cond delay="1000"/>
+                                  </p:stCondLst>
+                                  <p:childTnLst>
+                                    <p:set>
+                                      <p:cBhvr>
+                                        <p:cTn id="11" dur="1" fill="hold">
+                                          <p:stCondLst>
+                                            <p:cond delay="0"/>
+                                          </p:stCondLst>
+                                        </p:cTn>
+                                        <p:tgtEl>
+                                          <p:spTgt spid="6">
+                                            <p:txEl>
+                                              <p:pRg st="0" end="0"/>
+                                            </p:txEl>
+                                          </p:spTgt>
+                                        </p:tgtEl>
+                                        <p:attrNameLst>
+                                          <p:attrName>style.visibility</p:attrName>
+                                        </p:attrNameLst>
+                                      </p:cBhvr>
+                                      <p:to>
+                                        <p:strVal val="visible"/>
+                                      </p:to>
+                                    </p:set>
+                                    <p:animEffect transition="in" filter="fade">
+                                      <p:cBhvr>
+                                        <p:cTn id="12" dur="1000"/>
+                                        <p:tgtEl>
+                                          <p:spTgt spid="6">
+                                            <p:txEl>
+                                              <p:pRg st="0" end="0"/>
+                                            </p:txEl>
+                                          </p:spTgt>
+                                        </p:tgtEl>
+                                      </p:cBhvr>
+                                    </p:animEffect>
+                                    <p:anim calcmode="lin" valueType="num">
+                                      <p:cBhvr>
+                                        <p:cTn id="13" dur="1000" fill="hold"/>
+                                        <p:tgtEl>
+                                          <p:spTgt spid="6">
+                                            <p:txEl>
+                                              <p:pRg st="0" end="0"/>
+                                            </p:txEl>
+                                          </p:spTgt>
+                                        </p:tgtEl>
+                                        <p:attrNameLst>
+                                          <p:attrName>ppt_x</p:attrName>
+                                        </p:attrNameLst>
+                                      </p:cBhvr>
+                                      <p:tavLst>
+                                        <p:tav tm="0">
+                                          <p:val>
+                                            <p:strVal val="#ppt_x"/>
+                                          </p:val>
+                                        </p:tav>
+                                        <p:tav tm="100000">
+                                          <p:val>
+                                            <p:strVal val="#ppt_x"/>
+                                          </p:val>
+                                        </p:tav>
+                                      </p:tavLst>
+                                    </p:anim>
+                                    <p:anim calcmode="lin" valueType="num">
+                                      <p:cBhvr>
+                                        <p:cTn id="14" dur="1000" fill="hold"/>
+                                        <p:tgtEl>
+                                          <p:spTgt spid="6">
+                                            <p:txEl>
+                                              <p:pRg st="0" end="0"/>
+                                            </p:txEl>
+                                          </p:spTgt>
+                                        </p:tgtEl>
+                                        <p:attrNameLst>
+                                          <p:attrName>ppt_y</p:attrName>
+                                        </p:attrNameLst>
+                                      </p:cBhvr>
+                                      <p:tavLst>
+                                        <p:tav tm="0">
+                                          <p:val>
+                                            <p:strVal val="#ppt_y+.1"/>
+                                          </p:val>
+                                        </p:tav>
+                                        <p:tav tm="100000">
+                                          <p:val>
+                                            <p:strVal val="#ppt_y"/>
+                                          </p:val>
+                                        </p:tav>
+                                      </p:tavLst>
+                                    </p:anim>
+                                  </p:childTnLst>
+                                </p:cTn>
+                              </p:par>
+                            </p:childTnLst>
+                          </p:cTn>
+                        </p:par>
+                      </p:childTnLst>
+                    </p:cTn>
+                  </p:par>
+                </p:childTnLst>
+              </p:cTn>
+              <p:prevCondLst>
+                <p:cond evt="onPrev" delay="0">
+                  <p:tgtEl>
+                    <p:sldTgt/>
+                  </p:tgtEl>
+                </p:cond>
+              </p:prevCondLst>
+              <p:nextCondLst>
+                <p:cond evt="onNext" delay="0">
+                  <p:tgtEl>
+                    <p:sldTgt/>
+                  </p:tgtEl>
+                </p:cond>
+              </p:nextCondLst>
+            </p:seq>
+          </p:childTnLst>
+        </p:cTn>
       </p:par>
     </p:tnLst>
+    <p:bldLst>
+      <p:bldP spid="5" grpId="0"/>
+    </p:bldLst>
   </p:timing>
 </p:sld>
 </file>
@@ -4319,18 +4801,30 @@
             <a:endParaRPr lang="nl-BE" sz="4000" dirty="0"/>
           </a:p>
           <a:p>
+            <a:pPr marL="857250" indent="-742950">
+              <a:buFont typeface="+mj-lt"/>
+              <a:buAutoNum type="arabicPeriod"/>
+            </a:pPr>
             <a:r>
               <a:rPr lang="nl-BE" sz="4000" dirty="0" smtClean="0"/>
               <a:t>Projectvoorstelling;</a:t>
             </a:r>
           </a:p>
           <a:p>
+            <a:pPr marL="857250" indent="-742950">
+              <a:buFont typeface="+mj-lt"/>
+              <a:buAutoNum type="arabicPeriod"/>
+            </a:pPr>
             <a:r>
               <a:rPr lang="nl-BE" sz="4000" dirty="0" smtClean="0"/>
               <a:t>Oplossingbeschrijving;</a:t>
             </a:r>
           </a:p>
           <a:p>
+            <a:pPr marL="857250" indent="-742950">
+              <a:buFont typeface="+mj-lt"/>
+              <a:buAutoNum type="arabicPeriod"/>
+            </a:pPr>
             <a:r>
               <a:rPr lang="nl-BE" sz="4000" dirty="0" smtClean="0"/>
               <a:t>Demo.</a:t>
@@ -4375,7 +4869,342 @@
   <p:timing>
     <p:tnLst>
       <p:par>
-        <p:cTn id="1" dur="indefinite" restart="never" nodeType="tmRoot"/>
+        <p:cTn id="1" dur="indefinite" restart="never" nodeType="tmRoot">
+          <p:childTnLst>
+            <p:seq concurrent="1" nextAc="seek">
+              <p:cTn id="2" dur="indefinite" nodeType="mainSeq">
+                <p:childTnLst>
+                  <p:par>
+                    <p:cTn id="3" fill="hold">
+                      <p:stCondLst>
+                        <p:cond delay="indefinite"/>
+                        <p:cond evt="onBegin" delay="0">
+                          <p:tn val="2"/>
+                        </p:cond>
+                      </p:stCondLst>
+                      <p:childTnLst>
+                        <p:par>
+                          <p:cTn id="4" fill="hold">
+                            <p:stCondLst>
+                              <p:cond delay="0"/>
+                            </p:stCondLst>
+                            <p:childTnLst>
+                              <p:par>
+                                <p:cTn id="5" presetID="42" presetClass="entr" presetSubtype="0" fill="hold" nodeType="withEffect">
+                                  <p:stCondLst>
+                                    <p:cond delay="1000"/>
+                                  </p:stCondLst>
+                                  <p:childTnLst>
+                                    <p:set>
+                                      <p:cBhvr>
+                                        <p:cTn id="6" dur="1" fill="hold">
+                                          <p:stCondLst>
+                                            <p:cond delay="0"/>
+                                          </p:stCondLst>
+                                        </p:cTn>
+                                        <p:tgtEl>
+                                          <p:spTgt spid="3">
+                                            <p:txEl>
+                                              <p:pRg st="1" end="1"/>
+                                            </p:txEl>
+                                          </p:spTgt>
+                                        </p:tgtEl>
+                                        <p:attrNameLst>
+                                          <p:attrName>style.visibility</p:attrName>
+                                        </p:attrNameLst>
+                                      </p:cBhvr>
+                                      <p:to>
+                                        <p:strVal val="visible"/>
+                                      </p:to>
+                                    </p:set>
+                                    <p:animEffect transition="in" filter="fade">
+                                      <p:cBhvr>
+                                        <p:cTn id="7" dur="1000"/>
+                                        <p:tgtEl>
+                                          <p:spTgt spid="3">
+                                            <p:txEl>
+                                              <p:pRg st="1" end="1"/>
+                                            </p:txEl>
+                                          </p:spTgt>
+                                        </p:tgtEl>
+                                      </p:cBhvr>
+                                    </p:animEffect>
+                                    <p:anim calcmode="lin" valueType="num">
+                                      <p:cBhvr>
+                                        <p:cTn id="8" dur="1000" fill="hold"/>
+                                        <p:tgtEl>
+                                          <p:spTgt spid="3">
+                                            <p:txEl>
+                                              <p:pRg st="1" end="1"/>
+                                            </p:txEl>
+                                          </p:spTgt>
+                                        </p:tgtEl>
+                                        <p:attrNameLst>
+                                          <p:attrName>ppt_x</p:attrName>
+                                        </p:attrNameLst>
+                                      </p:cBhvr>
+                                      <p:tavLst>
+                                        <p:tav tm="0">
+                                          <p:val>
+                                            <p:strVal val="#ppt_x"/>
+                                          </p:val>
+                                        </p:tav>
+                                        <p:tav tm="100000">
+                                          <p:val>
+                                            <p:strVal val="#ppt_x"/>
+                                          </p:val>
+                                        </p:tav>
+                                      </p:tavLst>
+                                    </p:anim>
+                                    <p:anim calcmode="lin" valueType="num">
+                                      <p:cBhvr>
+                                        <p:cTn id="9" dur="1000" fill="hold"/>
+                                        <p:tgtEl>
+                                          <p:spTgt spid="3">
+                                            <p:txEl>
+                                              <p:pRg st="1" end="1"/>
+                                            </p:txEl>
+                                          </p:spTgt>
+                                        </p:tgtEl>
+                                        <p:attrNameLst>
+                                          <p:attrName>ppt_y</p:attrName>
+                                        </p:attrNameLst>
+                                      </p:cBhvr>
+                                      <p:tavLst>
+                                        <p:tav tm="0">
+                                          <p:val>
+                                            <p:strVal val="#ppt_y+.1"/>
+                                          </p:val>
+                                        </p:tav>
+                                        <p:tav tm="100000">
+                                          <p:val>
+                                            <p:strVal val="#ppt_y"/>
+                                          </p:val>
+                                        </p:tav>
+                                      </p:tavLst>
+                                    </p:anim>
+                                  </p:childTnLst>
+                                </p:cTn>
+                              </p:par>
+                              <p:par>
+                                <p:cTn id="10" presetID="42" presetClass="entr" presetSubtype="0" fill="hold" nodeType="withEffect">
+                                  <p:stCondLst>
+                                    <p:cond delay="0"/>
+                                  </p:stCondLst>
+                                  <p:childTnLst>
+                                    <p:set>
+                                      <p:cBhvr>
+                                        <p:cTn id="11" dur="1" fill="hold">
+                                          <p:stCondLst>
+                                            <p:cond delay="0"/>
+                                          </p:stCondLst>
+                                        </p:cTn>
+                                        <p:tgtEl>
+                                          <p:spTgt spid="3">
+                                            <p:txEl>
+                                              <p:pRg st="2" end="2"/>
+                                            </p:txEl>
+                                          </p:spTgt>
+                                        </p:tgtEl>
+                                        <p:attrNameLst>
+                                          <p:attrName>style.visibility</p:attrName>
+                                        </p:attrNameLst>
+                                      </p:cBhvr>
+                                      <p:to>
+                                        <p:strVal val="visible"/>
+                                      </p:to>
+                                    </p:set>
+                                    <p:animEffect transition="in" filter="fade">
+                                      <p:cBhvr>
+                                        <p:cTn id="12" dur="1000"/>
+                                        <p:tgtEl>
+                                          <p:spTgt spid="3">
+                                            <p:txEl>
+                                              <p:pRg st="2" end="2"/>
+                                            </p:txEl>
+                                          </p:spTgt>
+                                        </p:tgtEl>
+                                      </p:cBhvr>
+                                    </p:animEffect>
+                                    <p:anim calcmode="lin" valueType="num">
+                                      <p:cBhvr>
+                                        <p:cTn id="13" dur="1000" fill="hold"/>
+                                        <p:tgtEl>
+                                          <p:spTgt spid="3">
+                                            <p:txEl>
+                                              <p:pRg st="2" end="2"/>
+                                            </p:txEl>
+                                          </p:spTgt>
+                                        </p:tgtEl>
+                                        <p:attrNameLst>
+                                          <p:attrName>ppt_x</p:attrName>
+                                        </p:attrNameLst>
+                                      </p:cBhvr>
+                                      <p:tavLst>
+                                        <p:tav tm="0">
+                                          <p:val>
+                                            <p:strVal val="#ppt_x"/>
+                                          </p:val>
+                                        </p:tav>
+                                        <p:tav tm="100000">
+                                          <p:val>
+                                            <p:strVal val="#ppt_x"/>
+                                          </p:val>
+                                        </p:tav>
+                                      </p:tavLst>
+                                    </p:anim>
+                                    <p:anim calcmode="lin" valueType="num">
+                                      <p:cBhvr>
+                                        <p:cTn id="14" dur="1000" fill="hold"/>
+                                        <p:tgtEl>
+                                          <p:spTgt spid="3">
+                                            <p:txEl>
+                                              <p:pRg st="2" end="2"/>
+                                            </p:txEl>
+                                          </p:spTgt>
+                                        </p:tgtEl>
+                                        <p:attrNameLst>
+                                          <p:attrName>ppt_y</p:attrName>
+                                        </p:attrNameLst>
+                                      </p:cBhvr>
+                                      <p:tavLst>
+                                        <p:tav tm="0">
+                                          <p:val>
+                                            <p:strVal val="#ppt_y+.1"/>
+                                          </p:val>
+                                        </p:tav>
+                                        <p:tav tm="100000">
+                                          <p:val>
+                                            <p:strVal val="#ppt_y"/>
+                                          </p:val>
+                                        </p:tav>
+                                      </p:tavLst>
+                                    </p:anim>
+                                  </p:childTnLst>
+                                </p:cTn>
+                              </p:par>
+                              <p:par>
+                                <p:cTn id="15" presetID="42" presetClass="entr" presetSubtype="0" fill="hold" nodeType="withEffect">
+                                  <p:stCondLst>
+                                    <p:cond delay="0"/>
+                                  </p:stCondLst>
+                                  <p:childTnLst>
+                                    <p:set>
+                                      <p:cBhvr>
+                                        <p:cTn id="16" dur="1" fill="hold">
+                                          <p:stCondLst>
+                                            <p:cond delay="0"/>
+                                          </p:stCondLst>
+                                        </p:cTn>
+                                        <p:tgtEl>
+                                          <p:spTgt spid="3">
+                                            <p:txEl>
+                                              <p:pRg st="3" end="3"/>
+                                            </p:txEl>
+                                          </p:spTgt>
+                                        </p:tgtEl>
+                                        <p:attrNameLst>
+                                          <p:attrName>style.visibility</p:attrName>
+                                        </p:attrNameLst>
+                                      </p:cBhvr>
+                                      <p:to>
+                                        <p:strVal val="visible"/>
+                                      </p:to>
+                                    </p:set>
+                                    <p:animEffect transition="in" filter="fade">
+                                      <p:cBhvr>
+                                        <p:cTn id="17" dur="1000"/>
+                                        <p:tgtEl>
+                                          <p:spTgt spid="3">
+                                            <p:txEl>
+                                              <p:pRg st="3" end="3"/>
+                                            </p:txEl>
+                                          </p:spTgt>
+                                        </p:tgtEl>
+                                      </p:cBhvr>
+                                    </p:animEffect>
+                                    <p:anim calcmode="lin" valueType="num">
+                                      <p:cBhvr>
+                                        <p:cTn id="18" dur="1000" fill="hold"/>
+                                        <p:tgtEl>
+                                          <p:spTgt spid="3">
+                                            <p:txEl>
+                                              <p:pRg st="3" end="3"/>
+                                            </p:txEl>
+                                          </p:spTgt>
+                                        </p:tgtEl>
+                                        <p:attrNameLst>
+                                          <p:attrName>ppt_x</p:attrName>
+                                        </p:attrNameLst>
+                                      </p:cBhvr>
+                                      <p:tavLst>
+                                        <p:tav tm="0">
+                                          <p:val>
+                                            <p:strVal val="#ppt_x"/>
+                                          </p:val>
+                                        </p:tav>
+                                        <p:tav tm="100000">
+                                          <p:val>
+                                            <p:strVal val="#ppt_x"/>
+                                          </p:val>
+                                        </p:tav>
+                                      </p:tavLst>
+                                    </p:anim>
+                                    <p:anim calcmode="lin" valueType="num">
+                                      <p:cBhvr>
+                                        <p:cTn id="19" dur="1000" fill="hold"/>
+                                        <p:tgtEl>
+                                          <p:spTgt spid="3">
+                                            <p:txEl>
+                                              <p:pRg st="3" end="3"/>
+                                            </p:txEl>
+                                          </p:spTgt>
+                                        </p:tgtEl>
+                                        <p:attrNameLst>
+                                          <p:attrName>ppt_y</p:attrName>
+                                        </p:attrNameLst>
+                                      </p:cBhvr>
+                                      <p:tavLst>
+                                        <p:tav tm="0">
+                                          <p:val>
+                                            <p:strVal val="#ppt_y+.1"/>
+                                          </p:val>
+                                        </p:tav>
+                                        <p:tav tm="100000">
+                                          <p:val>
+                                            <p:strVal val="#ppt_y"/>
+                                          </p:val>
+                                        </p:tav>
+                                      </p:tavLst>
+                                    </p:anim>
+                                  </p:childTnLst>
+                                </p:cTn>
+                              </p:par>
+                            </p:childTnLst>
+                          </p:cTn>
+                        </p:par>
+                      </p:childTnLst>
+                    </p:cTn>
+                  </p:par>
+                </p:childTnLst>
+              </p:cTn>
+              <p:prevCondLst>
+                <p:cond evt="onPrev" delay="0">
+                  <p:tgtEl>
+                    <p:sldTgt/>
+                  </p:tgtEl>
+                </p:cond>
+              </p:prevCondLst>
+              <p:nextCondLst>
+                <p:cond evt="onNext" delay="0">
+                  <p:tgtEl>
+                    <p:sldTgt/>
+                  </p:tgtEl>
+                </p:cond>
+              </p:nextCondLst>
+            </p:seq>
+          </p:childTnLst>
+        </p:cTn>
       </p:par>
     </p:tnLst>
   </p:timing>
@@ -4491,7 +5320,132 @@
   <p:timing>
     <p:tnLst>
       <p:par>
-        <p:cTn id="1" dur="indefinite" restart="never" nodeType="tmRoot"/>
+        <p:cTn id="1" dur="indefinite" restart="never" nodeType="tmRoot">
+          <p:childTnLst>
+            <p:seq concurrent="1" nextAc="seek">
+              <p:cTn id="2" dur="indefinite" nodeType="mainSeq">
+                <p:childTnLst>
+                  <p:par>
+                    <p:cTn id="3" fill="hold">
+                      <p:stCondLst>
+                        <p:cond delay="indefinite"/>
+                        <p:cond evt="onBegin" delay="0">
+                          <p:tn val="2"/>
+                        </p:cond>
+                      </p:stCondLst>
+                      <p:childTnLst>
+                        <p:par>
+                          <p:cTn id="4" fill="hold">
+                            <p:stCondLst>
+                              <p:cond delay="0"/>
+                            </p:stCondLst>
+                            <p:childTnLst>
+                              <p:par>
+                                <p:cTn id="5" presetID="42" presetClass="entr" presetSubtype="0" fill="hold" nodeType="withEffect">
+                                  <p:stCondLst>
+                                    <p:cond delay="0"/>
+                                  </p:stCondLst>
+                                  <p:childTnLst>
+                                    <p:set>
+                                      <p:cBhvr>
+                                        <p:cTn id="6" dur="1" fill="hold">
+                                          <p:stCondLst>
+                                            <p:cond delay="0"/>
+                                          </p:stCondLst>
+                                        </p:cTn>
+                                        <p:tgtEl>
+                                          <p:spTgt spid="5"/>
+                                        </p:tgtEl>
+                                        <p:attrNameLst>
+                                          <p:attrName>style.visibility</p:attrName>
+                                        </p:attrNameLst>
+                                      </p:cBhvr>
+                                      <p:to>
+                                        <p:strVal val="visible"/>
+                                      </p:to>
+                                    </p:set>
+                                    <p:animEffect transition="in" filter="fade">
+                                      <p:cBhvr>
+                                        <p:cTn id="7" dur="1000"/>
+                                        <p:tgtEl>
+                                          <p:spTgt spid="5"/>
+                                        </p:tgtEl>
+                                      </p:cBhvr>
+                                    </p:animEffect>
+                                    <p:anim calcmode="lin" valueType="num">
+                                      <p:cBhvr>
+                                        <p:cTn id="8" dur="1000" fill="hold"/>
+                                        <p:tgtEl>
+                                          <p:spTgt spid="5"/>
+                                        </p:tgtEl>
+                                        <p:attrNameLst>
+                                          <p:attrName>ppt_x</p:attrName>
+                                        </p:attrNameLst>
+                                      </p:cBhvr>
+                                      <p:tavLst>
+                                        <p:tav tm="0">
+                                          <p:val>
+                                            <p:strVal val="#ppt_x"/>
+                                          </p:val>
+                                        </p:tav>
+                                        <p:tav tm="100000">
+                                          <p:val>
+                                            <p:strVal val="#ppt_x"/>
+                                          </p:val>
+                                        </p:tav>
+                                      </p:tavLst>
+                                    </p:anim>
+                                    <p:anim calcmode="lin" valueType="num">
+                                      <p:cBhvr>
+                                        <p:cTn id="9" dur="1000" fill="hold"/>
+                                        <p:tgtEl>
+                                          <p:spTgt spid="5"/>
+                                        </p:tgtEl>
+                                        <p:attrNameLst>
+                                          <p:attrName>ppt_y</p:attrName>
+                                        </p:attrNameLst>
+                                      </p:cBhvr>
+                                      <p:tavLst>
+                                        <p:tav tm="0">
+                                          <p:val>
+                                            <p:strVal val="#ppt_y+.1"/>
+                                          </p:val>
+                                        </p:tav>
+                                        <p:tav tm="100000">
+                                          <p:val>
+                                            <p:strVal val="#ppt_y"/>
+                                          </p:val>
+                                        </p:tav>
+                                      </p:tavLst>
+                                    </p:anim>
+                                  </p:childTnLst>
+                                </p:cTn>
+                              </p:par>
+                            </p:childTnLst>
+                          </p:cTn>
+                        </p:par>
+                      </p:childTnLst>
+                    </p:cTn>
+                  </p:par>
+                </p:childTnLst>
+              </p:cTn>
+              <p:prevCondLst>
+                <p:cond evt="onPrev" delay="0">
+                  <p:tgtEl>
+                    <p:sldTgt/>
+                  </p:tgtEl>
+                </p:cond>
+              </p:prevCondLst>
+              <p:nextCondLst>
+                <p:cond evt="onNext" delay="0">
+                  <p:tgtEl>
+                    <p:sldTgt/>
+                  </p:tgtEl>
+                </p:cond>
+              </p:nextCondLst>
+            </p:seq>
+          </p:childTnLst>
+        </p:cTn>
       </p:par>
     </p:tnLst>
   </p:timing>
@@ -4607,7 +5561,132 @@
   <p:timing>
     <p:tnLst>
       <p:par>
-        <p:cTn id="1" dur="indefinite" restart="never" nodeType="tmRoot"/>
+        <p:cTn id="1" dur="indefinite" restart="never" nodeType="tmRoot">
+          <p:childTnLst>
+            <p:seq concurrent="1" nextAc="seek">
+              <p:cTn id="2" dur="indefinite" nodeType="mainSeq">
+                <p:childTnLst>
+                  <p:par>
+                    <p:cTn id="3" fill="hold">
+                      <p:stCondLst>
+                        <p:cond delay="indefinite"/>
+                        <p:cond evt="onBegin" delay="0">
+                          <p:tn val="2"/>
+                        </p:cond>
+                      </p:stCondLst>
+                      <p:childTnLst>
+                        <p:par>
+                          <p:cTn id="4" fill="hold">
+                            <p:stCondLst>
+                              <p:cond delay="0"/>
+                            </p:stCondLst>
+                            <p:childTnLst>
+                              <p:par>
+                                <p:cTn id="5" presetID="42" presetClass="entr" presetSubtype="0" fill="hold" nodeType="withEffect">
+                                  <p:stCondLst>
+                                    <p:cond delay="1000"/>
+                                  </p:stCondLst>
+                                  <p:childTnLst>
+                                    <p:set>
+                                      <p:cBhvr>
+                                        <p:cTn id="6" dur="1" fill="hold">
+                                          <p:stCondLst>
+                                            <p:cond delay="0"/>
+                                          </p:stCondLst>
+                                        </p:cTn>
+                                        <p:tgtEl>
+                                          <p:spTgt spid="5"/>
+                                        </p:tgtEl>
+                                        <p:attrNameLst>
+                                          <p:attrName>style.visibility</p:attrName>
+                                        </p:attrNameLst>
+                                      </p:cBhvr>
+                                      <p:to>
+                                        <p:strVal val="visible"/>
+                                      </p:to>
+                                    </p:set>
+                                    <p:animEffect transition="in" filter="fade">
+                                      <p:cBhvr>
+                                        <p:cTn id="7" dur="1000"/>
+                                        <p:tgtEl>
+                                          <p:spTgt spid="5"/>
+                                        </p:tgtEl>
+                                      </p:cBhvr>
+                                    </p:animEffect>
+                                    <p:anim calcmode="lin" valueType="num">
+                                      <p:cBhvr>
+                                        <p:cTn id="8" dur="1000" fill="hold"/>
+                                        <p:tgtEl>
+                                          <p:spTgt spid="5"/>
+                                        </p:tgtEl>
+                                        <p:attrNameLst>
+                                          <p:attrName>ppt_x</p:attrName>
+                                        </p:attrNameLst>
+                                      </p:cBhvr>
+                                      <p:tavLst>
+                                        <p:tav tm="0">
+                                          <p:val>
+                                            <p:strVal val="#ppt_x"/>
+                                          </p:val>
+                                        </p:tav>
+                                        <p:tav tm="100000">
+                                          <p:val>
+                                            <p:strVal val="#ppt_x"/>
+                                          </p:val>
+                                        </p:tav>
+                                      </p:tavLst>
+                                    </p:anim>
+                                    <p:anim calcmode="lin" valueType="num">
+                                      <p:cBhvr>
+                                        <p:cTn id="9" dur="1000" fill="hold"/>
+                                        <p:tgtEl>
+                                          <p:spTgt spid="5"/>
+                                        </p:tgtEl>
+                                        <p:attrNameLst>
+                                          <p:attrName>ppt_y</p:attrName>
+                                        </p:attrNameLst>
+                                      </p:cBhvr>
+                                      <p:tavLst>
+                                        <p:tav tm="0">
+                                          <p:val>
+                                            <p:strVal val="#ppt_y+.1"/>
+                                          </p:val>
+                                        </p:tav>
+                                        <p:tav tm="100000">
+                                          <p:val>
+                                            <p:strVal val="#ppt_y"/>
+                                          </p:val>
+                                        </p:tav>
+                                      </p:tavLst>
+                                    </p:anim>
+                                  </p:childTnLst>
+                                </p:cTn>
+                              </p:par>
+                            </p:childTnLst>
+                          </p:cTn>
+                        </p:par>
+                      </p:childTnLst>
+                    </p:cTn>
+                  </p:par>
+                </p:childTnLst>
+              </p:cTn>
+              <p:prevCondLst>
+                <p:cond evt="onPrev" delay="0">
+                  <p:tgtEl>
+                    <p:sldTgt/>
+                  </p:tgtEl>
+                </p:cond>
+              </p:prevCondLst>
+              <p:nextCondLst>
+                <p:cond evt="onNext" delay="0">
+                  <p:tgtEl>
+                    <p:sldTgt/>
+                  </p:tgtEl>
+                </p:cond>
+              </p:nextCondLst>
+            </p:seq>
+          </p:childTnLst>
+        </p:cTn>
       </p:par>
     </p:tnLst>
   </p:timing>
@@ -4750,7 +5829,633 @@
   <p:timing>
     <p:tnLst>
       <p:par>
-        <p:cTn id="1" dur="indefinite" restart="never" nodeType="tmRoot"/>
+        <p:cTn id="1" dur="indefinite" restart="never" nodeType="tmRoot">
+          <p:childTnLst>
+            <p:seq concurrent="1" nextAc="seek">
+              <p:cTn id="2" dur="indefinite" nodeType="mainSeq">
+                <p:childTnLst>
+                  <p:par>
+                    <p:cTn id="3" fill="hold">
+                      <p:stCondLst>
+                        <p:cond delay="indefinite"/>
+                        <p:cond evt="onBegin" delay="0">
+                          <p:tn val="2"/>
+                        </p:cond>
+                      </p:stCondLst>
+                      <p:childTnLst>
+                        <p:par>
+                          <p:cTn id="4" fill="hold">
+                            <p:stCondLst>
+                              <p:cond delay="0"/>
+                            </p:stCondLst>
+                            <p:childTnLst>
+                              <p:par>
+                                <p:cTn id="5" presetID="42" presetClass="entr" presetSubtype="0" fill="hold" nodeType="withEffect">
+                                  <p:stCondLst>
+                                    <p:cond delay="1000"/>
+                                  </p:stCondLst>
+                                  <p:childTnLst>
+                                    <p:set>
+                                      <p:cBhvr>
+                                        <p:cTn id="6" dur="1" fill="hold">
+                                          <p:stCondLst>
+                                            <p:cond delay="0"/>
+                                          </p:stCondLst>
+                                        </p:cTn>
+                                        <p:tgtEl>
+                                          <p:spTgt spid="3">
+                                            <p:txEl>
+                                              <p:pRg st="0" end="0"/>
+                                            </p:txEl>
+                                          </p:spTgt>
+                                        </p:tgtEl>
+                                        <p:attrNameLst>
+                                          <p:attrName>style.visibility</p:attrName>
+                                        </p:attrNameLst>
+                                      </p:cBhvr>
+                                      <p:to>
+                                        <p:strVal val="visible"/>
+                                      </p:to>
+                                    </p:set>
+                                    <p:animEffect transition="in" filter="fade">
+                                      <p:cBhvr>
+                                        <p:cTn id="7" dur="1000"/>
+                                        <p:tgtEl>
+                                          <p:spTgt spid="3">
+                                            <p:txEl>
+                                              <p:pRg st="0" end="0"/>
+                                            </p:txEl>
+                                          </p:spTgt>
+                                        </p:tgtEl>
+                                      </p:cBhvr>
+                                    </p:animEffect>
+                                    <p:anim calcmode="lin" valueType="num">
+                                      <p:cBhvr>
+                                        <p:cTn id="8" dur="1000" fill="hold"/>
+                                        <p:tgtEl>
+                                          <p:spTgt spid="3">
+                                            <p:txEl>
+                                              <p:pRg st="0" end="0"/>
+                                            </p:txEl>
+                                          </p:spTgt>
+                                        </p:tgtEl>
+                                        <p:attrNameLst>
+                                          <p:attrName>ppt_x</p:attrName>
+                                        </p:attrNameLst>
+                                      </p:cBhvr>
+                                      <p:tavLst>
+                                        <p:tav tm="0">
+                                          <p:val>
+                                            <p:strVal val="#ppt_x"/>
+                                          </p:val>
+                                        </p:tav>
+                                        <p:tav tm="100000">
+                                          <p:val>
+                                            <p:strVal val="#ppt_x"/>
+                                          </p:val>
+                                        </p:tav>
+                                      </p:tavLst>
+                                    </p:anim>
+                                    <p:anim calcmode="lin" valueType="num">
+                                      <p:cBhvr>
+                                        <p:cTn id="9" dur="1000" fill="hold"/>
+                                        <p:tgtEl>
+                                          <p:spTgt spid="3">
+                                            <p:txEl>
+                                              <p:pRg st="0" end="0"/>
+                                            </p:txEl>
+                                          </p:spTgt>
+                                        </p:tgtEl>
+                                        <p:attrNameLst>
+                                          <p:attrName>ppt_y</p:attrName>
+                                        </p:attrNameLst>
+                                      </p:cBhvr>
+                                      <p:tavLst>
+                                        <p:tav tm="0">
+                                          <p:val>
+                                            <p:strVal val="#ppt_y+.1"/>
+                                          </p:val>
+                                        </p:tav>
+                                        <p:tav tm="100000">
+                                          <p:val>
+                                            <p:strVal val="#ppt_y"/>
+                                          </p:val>
+                                        </p:tav>
+                                      </p:tavLst>
+                                    </p:anim>
+                                  </p:childTnLst>
+                                </p:cTn>
+                              </p:par>
+                              <p:par>
+                                <p:cTn id="10" presetID="42" presetClass="entr" presetSubtype="0" fill="hold" nodeType="withEffect">
+                                  <p:stCondLst>
+                                    <p:cond delay="1000"/>
+                                  </p:stCondLst>
+                                  <p:childTnLst>
+                                    <p:set>
+                                      <p:cBhvr>
+                                        <p:cTn id="11" dur="1" fill="hold">
+                                          <p:stCondLst>
+                                            <p:cond delay="0"/>
+                                          </p:stCondLst>
+                                        </p:cTn>
+                                        <p:tgtEl>
+                                          <p:spTgt spid="3">
+                                            <p:txEl>
+                                              <p:pRg st="1" end="1"/>
+                                            </p:txEl>
+                                          </p:spTgt>
+                                        </p:tgtEl>
+                                        <p:attrNameLst>
+                                          <p:attrName>style.visibility</p:attrName>
+                                        </p:attrNameLst>
+                                      </p:cBhvr>
+                                      <p:to>
+                                        <p:strVal val="visible"/>
+                                      </p:to>
+                                    </p:set>
+                                    <p:animEffect transition="in" filter="fade">
+                                      <p:cBhvr>
+                                        <p:cTn id="12" dur="1000"/>
+                                        <p:tgtEl>
+                                          <p:spTgt spid="3">
+                                            <p:txEl>
+                                              <p:pRg st="1" end="1"/>
+                                            </p:txEl>
+                                          </p:spTgt>
+                                        </p:tgtEl>
+                                      </p:cBhvr>
+                                    </p:animEffect>
+                                    <p:anim calcmode="lin" valueType="num">
+                                      <p:cBhvr>
+                                        <p:cTn id="13" dur="1000" fill="hold"/>
+                                        <p:tgtEl>
+                                          <p:spTgt spid="3">
+                                            <p:txEl>
+                                              <p:pRg st="1" end="1"/>
+                                            </p:txEl>
+                                          </p:spTgt>
+                                        </p:tgtEl>
+                                        <p:attrNameLst>
+                                          <p:attrName>ppt_x</p:attrName>
+                                        </p:attrNameLst>
+                                      </p:cBhvr>
+                                      <p:tavLst>
+                                        <p:tav tm="0">
+                                          <p:val>
+                                            <p:strVal val="#ppt_x"/>
+                                          </p:val>
+                                        </p:tav>
+                                        <p:tav tm="100000">
+                                          <p:val>
+                                            <p:strVal val="#ppt_x"/>
+                                          </p:val>
+                                        </p:tav>
+                                      </p:tavLst>
+                                    </p:anim>
+                                    <p:anim calcmode="lin" valueType="num">
+                                      <p:cBhvr>
+                                        <p:cTn id="14" dur="1000" fill="hold"/>
+                                        <p:tgtEl>
+                                          <p:spTgt spid="3">
+                                            <p:txEl>
+                                              <p:pRg st="1" end="1"/>
+                                            </p:txEl>
+                                          </p:spTgt>
+                                        </p:tgtEl>
+                                        <p:attrNameLst>
+                                          <p:attrName>ppt_y</p:attrName>
+                                        </p:attrNameLst>
+                                      </p:cBhvr>
+                                      <p:tavLst>
+                                        <p:tav tm="0">
+                                          <p:val>
+                                            <p:strVal val="#ppt_y+.1"/>
+                                          </p:val>
+                                        </p:tav>
+                                        <p:tav tm="100000">
+                                          <p:val>
+                                            <p:strVal val="#ppt_y"/>
+                                          </p:val>
+                                        </p:tav>
+                                      </p:tavLst>
+                                    </p:anim>
+                                  </p:childTnLst>
+                                </p:cTn>
+                              </p:par>
+                              <p:par>
+                                <p:cTn id="15" presetID="42" presetClass="entr" presetSubtype="0" fill="hold" nodeType="withEffect">
+                                  <p:stCondLst>
+                                    <p:cond delay="1000"/>
+                                  </p:stCondLst>
+                                  <p:childTnLst>
+                                    <p:set>
+                                      <p:cBhvr>
+                                        <p:cTn id="16" dur="1" fill="hold">
+                                          <p:stCondLst>
+                                            <p:cond delay="0"/>
+                                          </p:stCondLst>
+                                        </p:cTn>
+                                        <p:tgtEl>
+                                          <p:spTgt spid="3">
+                                            <p:txEl>
+                                              <p:pRg st="2" end="2"/>
+                                            </p:txEl>
+                                          </p:spTgt>
+                                        </p:tgtEl>
+                                        <p:attrNameLst>
+                                          <p:attrName>style.visibility</p:attrName>
+                                        </p:attrNameLst>
+                                      </p:cBhvr>
+                                      <p:to>
+                                        <p:strVal val="visible"/>
+                                      </p:to>
+                                    </p:set>
+                                    <p:animEffect transition="in" filter="fade">
+                                      <p:cBhvr>
+                                        <p:cTn id="17" dur="1000"/>
+                                        <p:tgtEl>
+                                          <p:spTgt spid="3">
+                                            <p:txEl>
+                                              <p:pRg st="2" end="2"/>
+                                            </p:txEl>
+                                          </p:spTgt>
+                                        </p:tgtEl>
+                                      </p:cBhvr>
+                                    </p:animEffect>
+                                    <p:anim calcmode="lin" valueType="num">
+                                      <p:cBhvr>
+                                        <p:cTn id="18" dur="1000" fill="hold"/>
+                                        <p:tgtEl>
+                                          <p:spTgt spid="3">
+                                            <p:txEl>
+                                              <p:pRg st="2" end="2"/>
+                                            </p:txEl>
+                                          </p:spTgt>
+                                        </p:tgtEl>
+                                        <p:attrNameLst>
+                                          <p:attrName>ppt_x</p:attrName>
+                                        </p:attrNameLst>
+                                      </p:cBhvr>
+                                      <p:tavLst>
+                                        <p:tav tm="0">
+                                          <p:val>
+                                            <p:strVal val="#ppt_x"/>
+                                          </p:val>
+                                        </p:tav>
+                                        <p:tav tm="100000">
+                                          <p:val>
+                                            <p:strVal val="#ppt_x"/>
+                                          </p:val>
+                                        </p:tav>
+                                      </p:tavLst>
+                                    </p:anim>
+                                    <p:anim calcmode="lin" valueType="num">
+                                      <p:cBhvr>
+                                        <p:cTn id="19" dur="1000" fill="hold"/>
+                                        <p:tgtEl>
+                                          <p:spTgt spid="3">
+                                            <p:txEl>
+                                              <p:pRg st="2" end="2"/>
+                                            </p:txEl>
+                                          </p:spTgt>
+                                        </p:tgtEl>
+                                        <p:attrNameLst>
+                                          <p:attrName>ppt_y</p:attrName>
+                                        </p:attrNameLst>
+                                      </p:cBhvr>
+                                      <p:tavLst>
+                                        <p:tav tm="0">
+                                          <p:val>
+                                            <p:strVal val="#ppt_y+.1"/>
+                                          </p:val>
+                                        </p:tav>
+                                        <p:tav tm="100000">
+                                          <p:val>
+                                            <p:strVal val="#ppt_y"/>
+                                          </p:val>
+                                        </p:tav>
+                                      </p:tavLst>
+                                    </p:anim>
+                                  </p:childTnLst>
+                                </p:cTn>
+                              </p:par>
+                              <p:par>
+                                <p:cTn id="20" presetID="42" presetClass="entr" presetSubtype="0" fill="hold" nodeType="withEffect">
+                                  <p:stCondLst>
+                                    <p:cond delay="1000"/>
+                                  </p:stCondLst>
+                                  <p:childTnLst>
+                                    <p:set>
+                                      <p:cBhvr>
+                                        <p:cTn id="21" dur="1" fill="hold">
+                                          <p:stCondLst>
+                                            <p:cond delay="0"/>
+                                          </p:stCondLst>
+                                        </p:cTn>
+                                        <p:tgtEl>
+                                          <p:spTgt spid="3">
+                                            <p:txEl>
+                                              <p:pRg st="3" end="3"/>
+                                            </p:txEl>
+                                          </p:spTgt>
+                                        </p:tgtEl>
+                                        <p:attrNameLst>
+                                          <p:attrName>style.visibility</p:attrName>
+                                        </p:attrNameLst>
+                                      </p:cBhvr>
+                                      <p:to>
+                                        <p:strVal val="visible"/>
+                                      </p:to>
+                                    </p:set>
+                                    <p:animEffect transition="in" filter="fade">
+                                      <p:cBhvr>
+                                        <p:cTn id="22" dur="1000"/>
+                                        <p:tgtEl>
+                                          <p:spTgt spid="3">
+                                            <p:txEl>
+                                              <p:pRg st="3" end="3"/>
+                                            </p:txEl>
+                                          </p:spTgt>
+                                        </p:tgtEl>
+                                      </p:cBhvr>
+                                    </p:animEffect>
+                                    <p:anim calcmode="lin" valueType="num">
+                                      <p:cBhvr>
+                                        <p:cTn id="23" dur="1000" fill="hold"/>
+                                        <p:tgtEl>
+                                          <p:spTgt spid="3">
+                                            <p:txEl>
+                                              <p:pRg st="3" end="3"/>
+                                            </p:txEl>
+                                          </p:spTgt>
+                                        </p:tgtEl>
+                                        <p:attrNameLst>
+                                          <p:attrName>ppt_x</p:attrName>
+                                        </p:attrNameLst>
+                                      </p:cBhvr>
+                                      <p:tavLst>
+                                        <p:tav tm="0">
+                                          <p:val>
+                                            <p:strVal val="#ppt_x"/>
+                                          </p:val>
+                                        </p:tav>
+                                        <p:tav tm="100000">
+                                          <p:val>
+                                            <p:strVal val="#ppt_x"/>
+                                          </p:val>
+                                        </p:tav>
+                                      </p:tavLst>
+                                    </p:anim>
+                                    <p:anim calcmode="lin" valueType="num">
+                                      <p:cBhvr>
+                                        <p:cTn id="24" dur="1000" fill="hold"/>
+                                        <p:tgtEl>
+                                          <p:spTgt spid="3">
+                                            <p:txEl>
+                                              <p:pRg st="3" end="3"/>
+                                            </p:txEl>
+                                          </p:spTgt>
+                                        </p:tgtEl>
+                                        <p:attrNameLst>
+                                          <p:attrName>ppt_y</p:attrName>
+                                        </p:attrNameLst>
+                                      </p:cBhvr>
+                                      <p:tavLst>
+                                        <p:tav tm="0">
+                                          <p:val>
+                                            <p:strVal val="#ppt_y+.1"/>
+                                          </p:val>
+                                        </p:tav>
+                                        <p:tav tm="100000">
+                                          <p:val>
+                                            <p:strVal val="#ppt_y"/>
+                                          </p:val>
+                                        </p:tav>
+                                      </p:tavLst>
+                                    </p:anim>
+                                  </p:childTnLst>
+                                </p:cTn>
+                              </p:par>
+                              <p:par>
+                                <p:cTn id="25" presetID="42" presetClass="entr" presetSubtype="0" fill="hold" nodeType="withEffect">
+                                  <p:stCondLst>
+                                    <p:cond delay="1000"/>
+                                  </p:stCondLst>
+                                  <p:childTnLst>
+                                    <p:set>
+                                      <p:cBhvr>
+                                        <p:cTn id="26" dur="1" fill="hold">
+                                          <p:stCondLst>
+                                            <p:cond delay="0"/>
+                                          </p:stCondLst>
+                                        </p:cTn>
+                                        <p:tgtEl>
+                                          <p:spTgt spid="3">
+                                            <p:txEl>
+                                              <p:pRg st="4" end="4"/>
+                                            </p:txEl>
+                                          </p:spTgt>
+                                        </p:tgtEl>
+                                        <p:attrNameLst>
+                                          <p:attrName>style.visibility</p:attrName>
+                                        </p:attrNameLst>
+                                      </p:cBhvr>
+                                      <p:to>
+                                        <p:strVal val="visible"/>
+                                      </p:to>
+                                    </p:set>
+                                    <p:animEffect transition="in" filter="fade">
+                                      <p:cBhvr>
+                                        <p:cTn id="27" dur="1000"/>
+                                        <p:tgtEl>
+                                          <p:spTgt spid="3">
+                                            <p:txEl>
+                                              <p:pRg st="4" end="4"/>
+                                            </p:txEl>
+                                          </p:spTgt>
+                                        </p:tgtEl>
+                                      </p:cBhvr>
+                                    </p:animEffect>
+                                    <p:anim calcmode="lin" valueType="num">
+                                      <p:cBhvr>
+                                        <p:cTn id="28" dur="1000" fill="hold"/>
+                                        <p:tgtEl>
+                                          <p:spTgt spid="3">
+                                            <p:txEl>
+                                              <p:pRg st="4" end="4"/>
+                                            </p:txEl>
+                                          </p:spTgt>
+                                        </p:tgtEl>
+                                        <p:attrNameLst>
+                                          <p:attrName>ppt_x</p:attrName>
+                                        </p:attrNameLst>
+                                      </p:cBhvr>
+                                      <p:tavLst>
+                                        <p:tav tm="0">
+                                          <p:val>
+                                            <p:strVal val="#ppt_x"/>
+                                          </p:val>
+                                        </p:tav>
+                                        <p:tav tm="100000">
+                                          <p:val>
+                                            <p:strVal val="#ppt_x"/>
+                                          </p:val>
+                                        </p:tav>
+                                      </p:tavLst>
+                                    </p:anim>
+                                    <p:anim calcmode="lin" valueType="num">
+                                      <p:cBhvr>
+                                        <p:cTn id="29" dur="1000" fill="hold"/>
+                                        <p:tgtEl>
+                                          <p:spTgt spid="3">
+                                            <p:txEl>
+                                              <p:pRg st="4" end="4"/>
+                                            </p:txEl>
+                                          </p:spTgt>
+                                        </p:tgtEl>
+                                        <p:attrNameLst>
+                                          <p:attrName>ppt_y</p:attrName>
+                                        </p:attrNameLst>
+                                      </p:cBhvr>
+                                      <p:tavLst>
+                                        <p:tav tm="0">
+                                          <p:val>
+                                            <p:strVal val="#ppt_y+.1"/>
+                                          </p:val>
+                                        </p:tav>
+                                        <p:tav tm="100000">
+                                          <p:val>
+                                            <p:strVal val="#ppt_y"/>
+                                          </p:val>
+                                        </p:tav>
+                                      </p:tavLst>
+                                    </p:anim>
+                                  </p:childTnLst>
+                                </p:cTn>
+                              </p:par>
+                              <p:par>
+                                <p:cTn id="30" presetID="42" presetClass="entr" presetSubtype="0" fill="hold" nodeType="withEffect">
+                                  <p:stCondLst>
+                                    <p:cond delay="1000"/>
+                                  </p:stCondLst>
+                                  <p:childTnLst>
+                                    <p:set>
+                                      <p:cBhvr>
+                                        <p:cTn id="31" dur="1" fill="hold">
+                                          <p:stCondLst>
+                                            <p:cond delay="0"/>
+                                          </p:stCondLst>
+                                        </p:cTn>
+                                        <p:tgtEl>
+                                          <p:spTgt spid="3">
+                                            <p:txEl>
+                                              <p:pRg st="5" end="5"/>
+                                            </p:txEl>
+                                          </p:spTgt>
+                                        </p:tgtEl>
+                                        <p:attrNameLst>
+                                          <p:attrName>style.visibility</p:attrName>
+                                        </p:attrNameLst>
+                                      </p:cBhvr>
+                                      <p:to>
+                                        <p:strVal val="visible"/>
+                                      </p:to>
+                                    </p:set>
+                                    <p:animEffect transition="in" filter="fade">
+                                      <p:cBhvr>
+                                        <p:cTn id="32" dur="1000"/>
+                                        <p:tgtEl>
+                                          <p:spTgt spid="3">
+                                            <p:txEl>
+                                              <p:pRg st="5" end="5"/>
+                                            </p:txEl>
+                                          </p:spTgt>
+                                        </p:tgtEl>
+                                      </p:cBhvr>
+                                    </p:animEffect>
+                                    <p:anim calcmode="lin" valueType="num">
+                                      <p:cBhvr>
+                                        <p:cTn id="33" dur="1000" fill="hold"/>
+                                        <p:tgtEl>
+                                          <p:spTgt spid="3">
+                                            <p:txEl>
+                                              <p:pRg st="5" end="5"/>
+                                            </p:txEl>
+                                          </p:spTgt>
+                                        </p:tgtEl>
+                                        <p:attrNameLst>
+                                          <p:attrName>ppt_x</p:attrName>
+                                        </p:attrNameLst>
+                                      </p:cBhvr>
+                                      <p:tavLst>
+                                        <p:tav tm="0">
+                                          <p:val>
+                                            <p:strVal val="#ppt_x"/>
+                                          </p:val>
+                                        </p:tav>
+                                        <p:tav tm="100000">
+                                          <p:val>
+                                            <p:strVal val="#ppt_x"/>
+                                          </p:val>
+                                        </p:tav>
+                                      </p:tavLst>
+                                    </p:anim>
+                                    <p:anim calcmode="lin" valueType="num">
+                                      <p:cBhvr>
+                                        <p:cTn id="34" dur="1000" fill="hold"/>
+                                        <p:tgtEl>
+                                          <p:spTgt spid="3">
+                                            <p:txEl>
+                                              <p:pRg st="5" end="5"/>
+                                            </p:txEl>
+                                          </p:spTgt>
+                                        </p:tgtEl>
+                                        <p:attrNameLst>
+                                          <p:attrName>ppt_y</p:attrName>
+                                        </p:attrNameLst>
+                                      </p:cBhvr>
+                                      <p:tavLst>
+                                        <p:tav tm="0">
+                                          <p:val>
+                                            <p:strVal val="#ppt_y+.1"/>
+                                          </p:val>
+                                        </p:tav>
+                                        <p:tav tm="100000">
+                                          <p:val>
+                                            <p:strVal val="#ppt_y"/>
+                                          </p:val>
+                                        </p:tav>
+                                      </p:tavLst>
+                                    </p:anim>
+                                  </p:childTnLst>
+                                </p:cTn>
+                              </p:par>
+                            </p:childTnLst>
+                          </p:cTn>
+                        </p:par>
+                      </p:childTnLst>
+                    </p:cTn>
+                  </p:par>
+                </p:childTnLst>
+              </p:cTn>
+              <p:prevCondLst>
+                <p:cond evt="onPrev" delay="0">
+                  <p:tgtEl>
+                    <p:sldTgt/>
+                  </p:tgtEl>
+                </p:cond>
+              </p:prevCondLst>
+              <p:nextCondLst>
+                <p:cond evt="onNext" delay="0">
+                  <p:tgtEl>
+                    <p:sldTgt/>
+                  </p:tgtEl>
+                </p:cond>
+              </p:nextCondLst>
+            </p:seq>
+          </p:childTnLst>
+        </p:cTn>
       </p:par>
     </p:tnLst>
   </p:timing>
@@ -4822,7 +6527,7 @@
       </p:sp>
       <p:pic>
         <p:nvPicPr>
-          <p:cNvPr id="3074" name="Picture 2"/>
+          <p:cNvPr id="1026" name="Picture 2"/>
           <p:cNvPicPr>
             <a:picLocks noGrp="1" noChangeAspect="1" noChangeArrowheads="1"/>
           </p:cNvPicPr>
@@ -4845,8 +6550,8 @@
         </p:blipFill>
         <p:spPr bwMode="auto">
           <a:xfrm>
-            <a:off x="2209800" y="1733550"/>
-            <a:ext cx="4114800" cy="4533900"/>
+            <a:off x="2333625" y="1933575"/>
+            <a:ext cx="3867150" cy="4133850"/>
           </a:xfrm>
           <a:prstGeom prst="rect">
             <a:avLst/>
@@ -4889,7 +6594,132 @@
   <p:timing>
     <p:tnLst>
       <p:par>
-        <p:cTn id="1" dur="indefinite" restart="never" nodeType="tmRoot"/>
+        <p:cTn id="1" dur="indefinite" restart="never" nodeType="tmRoot">
+          <p:childTnLst>
+            <p:seq concurrent="1" nextAc="seek">
+              <p:cTn id="2" dur="indefinite" nodeType="mainSeq">
+                <p:childTnLst>
+                  <p:par>
+                    <p:cTn id="3" fill="hold">
+                      <p:stCondLst>
+                        <p:cond delay="indefinite"/>
+                        <p:cond evt="onBegin" delay="0">
+                          <p:tn val="2"/>
+                        </p:cond>
+                      </p:stCondLst>
+                      <p:childTnLst>
+                        <p:par>
+                          <p:cTn id="4" fill="hold">
+                            <p:stCondLst>
+                              <p:cond delay="0"/>
+                            </p:stCondLst>
+                            <p:childTnLst>
+                              <p:par>
+                                <p:cTn id="5" presetID="42" presetClass="entr" presetSubtype="0" fill="hold" nodeType="withEffect">
+                                  <p:stCondLst>
+                                    <p:cond delay="1000"/>
+                                  </p:stCondLst>
+                                  <p:childTnLst>
+                                    <p:set>
+                                      <p:cBhvr>
+                                        <p:cTn id="6" dur="1" fill="hold">
+                                          <p:stCondLst>
+                                            <p:cond delay="0"/>
+                                          </p:stCondLst>
+                                        </p:cTn>
+                                        <p:tgtEl>
+                                          <p:spTgt spid="1026"/>
+                                        </p:tgtEl>
+                                        <p:attrNameLst>
+                                          <p:attrName>style.visibility</p:attrName>
+                                        </p:attrNameLst>
+                                      </p:cBhvr>
+                                      <p:to>
+                                        <p:strVal val="visible"/>
+                                      </p:to>
+                                    </p:set>
+                                    <p:animEffect transition="in" filter="fade">
+                                      <p:cBhvr>
+                                        <p:cTn id="7" dur="1000"/>
+                                        <p:tgtEl>
+                                          <p:spTgt spid="1026"/>
+                                        </p:tgtEl>
+                                      </p:cBhvr>
+                                    </p:animEffect>
+                                    <p:anim calcmode="lin" valueType="num">
+                                      <p:cBhvr>
+                                        <p:cTn id="8" dur="1000" fill="hold"/>
+                                        <p:tgtEl>
+                                          <p:spTgt spid="1026"/>
+                                        </p:tgtEl>
+                                        <p:attrNameLst>
+                                          <p:attrName>ppt_x</p:attrName>
+                                        </p:attrNameLst>
+                                      </p:cBhvr>
+                                      <p:tavLst>
+                                        <p:tav tm="0">
+                                          <p:val>
+                                            <p:strVal val="#ppt_x"/>
+                                          </p:val>
+                                        </p:tav>
+                                        <p:tav tm="100000">
+                                          <p:val>
+                                            <p:strVal val="#ppt_x"/>
+                                          </p:val>
+                                        </p:tav>
+                                      </p:tavLst>
+                                    </p:anim>
+                                    <p:anim calcmode="lin" valueType="num">
+                                      <p:cBhvr>
+                                        <p:cTn id="9" dur="1000" fill="hold"/>
+                                        <p:tgtEl>
+                                          <p:spTgt spid="1026"/>
+                                        </p:tgtEl>
+                                        <p:attrNameLst>
+                                          <p:attrName>ppt_y</p:attrName>
+                                        </p:attrNameLst>
+                                      </p:cBhvr>
+                                      <p:tavLst>
+                                        <p:tav tm="0">
+                                          <p:val>
+                                            <p:strVal val="#ppt_y+.1"/>
+                                          </p:val>
+                                        </p:tav>
+                                        <p:tav tm="100000">
+                                          <p:val>
+                                            <p:strVal val="#ppt_y"/>
+                                          </p:val>
+                                        </p:tav>
+                                      </p:tavLst>
+                                    </p:anim>
+                                  </p:childTnLst>
+                                </p:cTn>
+                              </p:par>
+                            </p:childTnLst>
+                          </p:cTn>
+                        </p:par>
+                      </p:childTnLst>
+                    </p:cTn>
+                  </p:par>
+                </p:childTnLst>
+              </p:cTn>
+              <p:prevCondLst>
+                <p:cond evt="onPrev" delay="0">
+                  <p:tgtEl>
+                    <p:sldTgt/>
+                  </p:tgtEl>
+                </p:cond>
+              </p:prevCondLst>
+              <p:nextCondLst>
+                <p:cond evt="onNext" delay="0">
+                  <p:tgtEl>
+                    <p:sldTgt/>
+                  </p:tgtEl>
+                </p:cond>
+              </p:nextCondLst>
+            </p:seq>
+          </p:childTnLst>
+        </p:cTn>
       </p:par>
     </p:tnLst>
   </p:timing>
@@ -5028,7 +6858,132 @@
   <p:timing>
     <p:tnLst>
       <p:par>
-        <p:cTn id="1" dur="indefinite" restart="never" nodeType="tmRoot"/>
+        <p:cTn id="1" dur="indefinite" restart="never" nodeType="tmRoot">
+          <p:childTnLst>
+            <p:seq concurrent="1" nextAc="seek">
+              <p:cTn id="2" dur="indefinite" nodeType="mainSeq">
+                <p:childTnLst>
+                  <p:par>
+                    <p:cTn id="3" fill="hold">
+                      <p:stCondLst>
+                        <p:cond delay="indefinite"/>
+                        <p:cond evt="onBegin" delay="0">
+                          <p:tn val="2"/>
+                        </p:cond>
+                      </p:stCondLst>
+                      <p:childTnLst>
+                        <p:par>
+                          <p:cTn id="4" fill="hold">
+                            <p:stCondLst>
+                              <p:cond delay="0"/>
+                            </p:stCondLst>
+                            <p:childTnLst>
+                              <p:par>
+                                <p:cTn id="5" presetID="42" presetClass="entr" presetSubtype="0" fill="hold" nodeType="withEffect">
+                                  <p:stCondLst>
+                                    <p:cond delay="1000"/>
+                                  </p:stCondLst>
+                                  <p:childTnLst>
+                                    <p:set>
+                                      <p:cBhvr>
+                                        <p:cTn id="6" dur="1" fill="hold">
+                                          <p:stCondLst>
+                                            <p:cond delay="0"/>
+                                          </p:stCondLst>
+                                        </p:cTn>
+                                        <p:tgtEl>
+                                          <p:spTgt spid="4099"/>
+                                        </p:tgtEl>
+                                        <p:attrNameLst>
+                                          <p:attrName>style.visibility</p:attrName>
+                                        </p:attrNameLst>
+                                      </p:cBhvr>
+                                      <p:to>
+                                        <p:strVal val="visible"/>
+                                      </p:to>
+                                    </p:set>
+                                    <p:animEffect transition="in" filter="fade">
+                                      <p:cBhvr>
+                                        <p:cTn id="7" dur="1000"/>
+                                        <p:tgtEl>
+                                          <p:spTgt spid="4099"/>
+                                        </p:tgtEl>
+                                      </p:cBhvr>
+                                    </p:animEffect>
+                                    <p:anim calcmode="lin" valueType="num">
+                                      <p:cBhvr>
+                                        <p:cTn id="8" dur="1000" fill="hold"/>
+                                        <p:tgtEl>
+                                          <p:spTgt spid="4099"/>
+                                        </p:tgtEl>
+                                        <p:attrNameLst>
+                                          <p:attrName>ppt_x</p:attrName>
+                                        </p:attrNameLst>
+                                      </p:cBhvr>
+                                      <p:tavLst>
+                                        <p:tav tm="0">
+                                          <p:val>
+                                            <p:strVal val="#ppt_x"/>
+                                          </p:val>
+                                        </p:tav>
+                                        <p:tav tm="100000">
+                                          <p:val>
+                                            <p:strVal val="#ppt_x"/>
+                                          </p:val>
+                                        </p:tav>
+                                      </p:tavLst>
+                                    </p:anim>
+                                    <p:anim calcmode="lin" valueType="num">
+                                      <p:cBhvr>
+                                        <p:cTn id="9" dur="1000" fill="hold"/>
+                                        <p:tgtEl>
+                                          <p:spTgt spid="4099"/>
+                                        </p:tgtEl>
+                                        <p:attrNameLst>
+                                          <p:attrName>ppt_y</p:attrName>
+                                        </p:attrNameLst>
+                                      </p:cBhvr>
+                                      <p:tavLst>
+                                        <p:tav tm="0">
+                                          <p:val>
+                                            <p:strVal val="#ppt_y+.1"/>
+                                          </p:val>
+                                        </p:tav>
+                                        <p:tav tm="100000">
+                                          <p:val>
+                                            <p:strVal val="#ppt_y"/>
+                                          </p:val>
+                                        </p:tav>
+                                      </p:tavLst>
+                                    </p:anim>
+                                  </p:childTnLst>
+                                </p:cTn>
+                              </p:par>
+                            </p:childTnLst>
+                          </p:cTn>
+                        </p:par>
+                      </p:childTnLst>
+                    </p:cTn>
+                  </p:par>
+                </p:childTnLst>
+              </p:cTn>
+              <p:prevCondLst>
+                <p:cond evt="onPrev" delay="0">
+                  <p:tgtEl>
+                    <p:sldTgt/>
+                  </p:tgtEl>
+                </p:cond>
+              </p:prevCondLst>
+              <p:nextCondLst>
+                <p:cond evt="onNext" delay="0">
+                  <p:tgtEl>
+                    <p:sldTgt/>
+                  </p:tgtEl>
+                </p:cond>
+              </p:nextCondLst>
+            </p:seq>
+          </p:childTnLst>
+        </p:cTn>
       </p:par>
     </p:tnLst>
   </p:timing>
@@ -5167,7 +7122,132 @@
   <p:timing>
     <p:tnLst>
       <p:par>
-        <p:cTn id="1" dur="indefinite" restart="never" nodeType="tmRoot"/>
+        <p:cTn id="1" dur="indefinite" restart="never" nodeType="tmRoot">
+          <p:childTnLst>
+            <p:seq concurrent="1" nextAc="seek">
+              <p:cTn id="2" dur="indefinite" nodeType="mainSeq">
+                <p:childTnLst>
+                  <p:par>
+                    <p:cTn id="3" fill="hold">
+                      <p:stCondLst>
+                        <p:cond delay="indefinite"/>
+                        <p:cond evt="onBegin" delay="0">
+                          <p:tn val="2"/>
+                        </p:cond>
+                      </p:stCondLst>
+                      <p:childTnLst>
+                        <p:par>
+                          <p:cTn id="4" fill="hold">
+                            <p:stCondLst>
+                              <p:cond delay="0"/>
+                            </p:stCondLst>
+                            <p:childTnLst>
+                              <p:par>
+                                <p:cTn id="5" presetID="42" presetClass="entr" presetSubtype="0" fill="hold" nodeType="withEffect">
+                                  <p:stCondLst>
+                                    <p:cond delay="1000"/>
+                                  </p:stCondLst>
+                                  <p:childTnLst>
+                                    <p:set>
+                                      <p:cBhvr>
+                                        <p:cTn id="6" dur="1" fill="hold">
+                                          <p:stCondLst>
+                                            <p:cond delay="0"/>
+                                          </p:stCondLst>
+                                        </p:cTn>
+                                        <p:tgtEl>
+                                          <p:spTgt spid="5122"/>
+                                        </p:tgtEl>
+                                        <p:attrNameLst>
+                                          <p:attrName>style.visibility</p:attrName>
+                                        </p:attrNameLst>
+                                      </p:cBhvr>
+                                      <p:to>
+                                        <p:strVal val="visible"/>
+                                      </p:to>
+                                    </p:set>
+                                    <p:animEffect transition="in" filter="fade">
+                                      <p:cBhvr>
+                                        <p:cTn id="7" dur="1000"/>
+                                        <p:tgtEl>
+                                          <p:spTgt spid="5122"/>
+                                        </p:tgtEl>
+                                      </p:cBhvr>
+                                    </p:animEffect>
+                                    <p:anim calcmode="lin" valueType="num">
+                                      <p:cBhvr>
+                                        <p:cTn id="8" dur="1000" fill="hold"/>
+                                        <p:tgtEl>
+                                          <p:spTgt spid="5122"/>
+                                        </p:tgtEl>
+                                        <p:attrNameLst>
+                                          <p:attrName>ppt_x</p:attrName>
+                                        </p:attrNameLst>
+                                      </p:cBhvr>
+                                      <p:tavLst>
+                                        <p:tav tm="0">
+                                          <p:val>
+                                            <p:strVal val="#ppt_x"/>
+                                          </p:val>
+                                        </p:tav>
+                                        <p:tav tm="100000">
+                                          <p:val>
+                                            <p:strVal val="#ppt_x"/>
+                                          </p:val>
+                                        </p:tav>
+                                      </p:tavLst>
+                                    </p:anim>
+                                    <p:anim calcmode="lin" valueType="num">
+                                      <p:cBhvr>
+                                        <p:cTn id="9" dur="1000" fill="hold"/>
+                                        <p:tgtEl>
+                                          <p:spTgt spid="5122"/>
+                                        </p:tgtEl>
+                                        <p:attrNameLst>
+                                          <p:attrName>ppt_y</p:attrName>
+                                        </p:attrNameLst>
+                                      </p:cBhvr>
+                                      <p:tavLst>
+                                        <p:tav tm="0">
+                                          <p:val>
+                                            <p:strVal val="#ppt_y+.1"/>
+                                          </p:val>
+                                        </p:tav>
+                                        <p:tav tm="100000">
+                                          <p:val>
+                                            <p:strVal val="#ppt_y"/>
+                                          </p:val>
+                                        </p:tav>
+                                      </p:tavLst>
+                                    </p:anim>
+                                  </p:childTnLst>
+                                </p:cTn>
+                              </p:par>
+                            </p:childTnLst>
+                          </p:cTn>
+                        </p:par>
+                      </p:childTnLst>
+                    </p:cTn>
+                  </p:par>
+                </p:childTnLst>
+              </p:cTn>
+              <p:prevCondLst>
+                <p:cond evt="onPrev" delay="0">
+                  <p:tgtEl>
+                    <p:sldTgt/>
+                  </p:tgtEl>
+                </p:cond>
+              </p:prevCondLst>
+              <p:nextCondLst>
+                <p:cond evt="onNext" delay="0">
+                  <p:tgtEl>
+                    <p:sldTgt/>
+                  </p:tgtEl>
+                </p:cond>
+              </p:nextCondLst>
+            </p:seq>
+          </p:childTnLst>
+        </p:cTn>
       </p:par>
     </p:tnLst>
   </p:timing>
@@ -5306,7 +7386,132 @@
   <p:timing>
     <p:tnLst>
       <p:par>
-        <p:cTn id="1" dur="indefinite" restart="never" nodeType="tmRoot"/>
+        <p:cTn id="1" dur="indefinite" restart="never" nodeType="tmRoot">
+          <p:childTnLst>
+            <p:seq concurrent="1" nextAc="seek">
+              <p:cTn id="2" dur="indefinite" nodeType="mainSeq">
+                <p:childTnLst>
+                  <p:par>
+                    <p:cTn id="3" fill="hold">
+                      <p:stCondLst>
+                        <p:cond delay="indefinite"/>
+                        <p:cond evt="onBegin" delay="0">
+                          <p:tn val="2"/>
+                        </p:cond>
+                      </p:stCondLst>
+                      <p:childTnLst>
+                        <p:par>
+                          <p:cTn id="4" fill="hold">
+                            <p:stCondLst>
+                              <p:cond delay="0"/>
+                            </p:stCondLst>
+                            <p:childTnLst>
+                              <p:par>
+                                <p:cTn id="5" presetID="42" presetClass="entr" presetSubtype="0" fill="hold" nodeType="withEffect">
+                                  <p:stCondLst>
+                                    <p:cond delay="1000"/>
+                                  </p:stCondLst>
+                                  <p:childTnLst>
+                                    <p:set>
+                                      <p:cBhvr>
+                                        <p:cTn id="6" dur="1" fill="hold">
+                                          <p:stCondLst>
+                                            <p:cond delay="0"/>
+                                          </p:stCondLst>
+                                        </p:cTn>
+                                        <p:tgtEl>
+                                          <p:spTgt spid="6146"/>
+                                        </p:tgtEl>
+                                        <p:attrNameLst>
+                                          <p:attrName>style.visibility</p:attrName>
+                                        </p:attrNameLst>
+                                      </p:cBhvr>
+                                      <p:to>
+                                        <p:strVal val="visible"/>
+                                      </p:to>
+                                    </p:set>
+                                    <p:animEffect transition="in" filter="fade">
+                                      <p:cBhvr>
+                                        <p:cTn id="7" dur="1000"/>
+                                        <p:tgtEl>
+                                          <p:spTgt spid="6146"/>
+                                        </p:tgtEl>
+                                      </p:cBhvr>
+                                    </p:animEffect>
+                                    <p:anim calcmode="lin" valueType="num">
+                                      <p:cBhvr>
+                                        <p:cTn id="8" dur="1000" fill="hold"/>
+                                        <p:tgtEl>
+                                          <p:spTgt spid="6146"/>
+                                        </p:tgtEl>
+                                        <p:attrNameLst>
+                                          <p:attrName>ppt_x</p:attrName>
+                                        </p:attrNameLst>
+                                      </p:cBhvr>
+                                      <p:tavLst>
+                                        <p:tav tm="0">
+                                          <p:val>
+                                            <p:strVal val="#ppt_x"/>
+                                          </p:val>
+                                        </p:tav>
+                                        <p:tav tm="100000">
+                                          <p:val>
+                                            <p:strVal val="#ppt_x"/>
+                                          </p:val>
+                                        </p:tav>
+                                      </p:tavLst>
+                                    </p:anim>
+                                    <p:anim calcmode="lin" valueType="num">
+                                      <p:cBhvr>
+                                        <p:cTn id="9" dur="1000" fill="hold"/>
+                                        <p:tgtEl>
+                                          <p:spTgt spid="6146"/>
+                                        </p:tgtEl>
+                                        <p:attrNameLst>
+                                          <p:attrName>ppt_y</p:attrName>
+                                        </p:attrNameLst>
+                                      </p:cBhvr>
+                                      <p:tavLst>
+                                        <p:tav tm="0">
+                                          <p:val>
+                                            <p:strVal val="#ppt_y+.1"/>
+                                          </p:val>
+                                        </p:tav>
+                                        <p:tav tm="100000">
+                                          <p:val>
+                                            <p:strVal val="#ppt_y"/>
+                                          </p:val>
+                                        </p:tav>
+                                      </p:tavLst>
+                                    </p:anim>
+                                  </p:childTnLst>
+                                </p:cTn>
+                              </p:par>
+                            </p:childTnLst>
+                          </p:cTn>
+                        </p:par>
+                      </p:childTnLst>
+                    </p:cTn>
+                  </p:par>
+                </p:childTnLst>
+              </p:cTn>
+              <p:prevCondLst>
+                <p:cond evt="onPrev" delay="0">
+                  <p:tgtEl>
+                    <p:sldTgt/>
+                  </p:tgtEl>
+                </p:cond>
+              </p:prevCondLst>
+              <p:nextCondLst>
+                <p:cond evt="onNext" delay="0">
+                  <p:tgtEl>
+                    <p:sldTgt/>
+                  </p:tgtEl>
+                </p:cond>
+              </p:nextCondLst>
+            </p:seq>
+          </p:childTnLst>
+        </p:cTn>
       </p:par>
     </p:tnLst>
   </p:timing>
